--- a/01 - Курсовые проекты/2022-2023 - Разр.библ.функций на языке Python автомат.построения GUI/rndhpc_rpt_pres_gui_2023_73_VasilyanA.pptx
+++ b/01 - Курсовые проекты/2022-2023 - Разр.библ.функций на языке Python автомат.построения GUI/rndhpc_rpt_pres_gui_2023_73_VasilyanA.pptx
@@ -6420,7 +6420,7 @@
                 <a:latin typeface="Times New Roman" panose="02020603050405020304" pitchFamily="18" charset="0"/>
                 <a:cs typeface="Times New Roman" panose="02020603050405020304" pitchFamily="18" charset="0"/>
               </a:rPr>
-              <a:t>Метода взаимодействия человека и ЭВМ: </a:t>
+              <a:t>Методы взаимодействия человека и ЭВМ: </a:t>
             </a:r>
           </a:p>
           <a:p>
@@ -9371,8 +9371,8 @@
         </p:nvSpPr>
         <p:spPr>
           <a:xfrm>
-            <a:off x="7096337" y="1445425"/>
-            <a:ext cx="4368476" cy="1600438"/>
+            <a:off x="6371311" y="1445425"/>
+            <a:ext cx="5093502" cy="1600438"/>
           </a:xfrm>
           <a:prstGeom prst="rect">
             <a:avLst/>
@@ -9454,7 +9454,7 @@
               <a:rPr lang="en-US" sz="1400" dirty="0">
                 <a:latin typeface="Consolas" panose="020B0609020204030204" pitchFamily="49" charset="0"/>
               </a:rPr>
-              <a:t>    path("", </a:t>
+              <a:t>    path(«upload/", </a:t>
             </a:r>
             <a:r>
               <a:rPr lang="en-US" sz="1400" dirty="0" err="1">
@@ -9604,8 +9604,8 @@
         </p:nvSpPr>
         <p:spPr>
           <a:xfrm>
-            <a:off x="7096337" y="3059668"/>
-            <a:ext cx="4368476" cy="369332"/>
+            <a:off x="6371311" y="3059668"/>
+            <a:ext cx="5093502" cy="369332"/>
           </a:xfrm>
           <a:prstGeom prst="rect">
             <a:avLst/>

--- a/01 - Курсовые проекты/2022-2023 - Разр.библ.функций на языке Python автомат.построения GUI/rndhpc_rpt_pres_gui_2023_73_VasilyanA.pptx
+++ b/01 - Курсовые проекты/2022-2023 - Разр.библ.функций на языке Python автомат.построения GUI/rndhpc_rpt_pres_gui_2023_73_VasilyanA.pptx
@@ -219,7 +219,7 @@
           <a:p>
             <a:fld id="{1433DABF-D097-44E0-82C0-1AAF5966212D}" type="datetimeFigureOut">
               <a:rPr lang="ru-RU" smtClean="0"/>
-              <a:t>18.02.2023</a:t>
+              <a:t>19.02.2023</a:t>
             </a:fld>
             <a:endParaRPr lang="ru-RU"/>
           </a:p>
@@ -785,7 +785,7 @@
           <a:p>
             <a:fld id="{6157714A-B5FA-4BDA-BAC5-CE551E0D5C71}" type="datetime1">
               <a:rPr lang="ru-RU" smtClean="0"/>
-              <a:t>18.02.2023</a:t>
+              <a:t>19.02.2023</a:t>
             </a:fld>
             <a:endParaRPr lang="ru-RU"/>
           </a:p>
@@ -955,7 +955,7 @@
           <a:p>
             <a:fld id="{27CE9654-3562-4100-A766-537F27551235}" type="datetime1">
               <a:rPr lang="ru-RU" smtClean="0"/>
-              <a:t>18.02.2023</a:t>
+              <a:t>19.02.2023</a:t>
             </a:fld>
             <a:endParaRPr lang="ru-RU"/>
           </a:p>
@@ -1135,7 +1135,7 @@
           <a:p>
             <a:fld id="{820807FA-9BD8-40AF-A59F-C82356EC0E74}" type="datetime1">
               <a:rPr lang="ru-RU" smtClean="0"/>
-              <a:t>18.02.2023</a:t>
+              <a:t>19.02.2023</a:t>
             </a:fld>
             <a:endParaRPr lang="ru-RU"/>
           </a:p>
@@ -1310,7 +1310,7 @@
           <a:p>
             <a:fld id="{5878E360-8AEE-4B90-99BC-1D6B98DA5EE2}" type="datetime1">
               <a:rPr lang="ru-RU" smtClean="0"/>
-              <a:t>18.02.2023</a:t>
+              <a:t>19.02.2023</a:t>
             </a:fld>
             <a:endParaRPr lang="ru-RU"/>
           </a:p>
@@ -1572,7 +1572,7 @@
           <a:p>
             <a:fld id="{D429DEF6-BF7E-4AAA-BE08-A3E2C310E23A}" type="datetime1">
               <a:rPr lang="ru-RU" smtClean="0"/>
-              <a:t>18.02.2023</a:t>
+              <a:t>19.02.2023</a:t>
             </a:fld>
             <a:endParaRPr lang="ru-RU"/>
           </a:p>
@@ -1804,7 +1804,7 @@
           <a:p>
             <a:fld id="{2118AE50-8815-4DDF-8D38-374A41423F79}" type="datetime1">
               <a:rPr lang="ru-RU" smtClean="0"/>
-              <a:t>18.02.2023</a:t>
+              <a:t>19.02.2023</a:t>
             </a:fld>
             <a:endParaRPr lang="ru-RU"/>
           </a:p>
@@ -2171,7 +2171,7 @@
           <a:p>
             <a:fld id="{3B4F339C-11A2-47C7-8682-F5E088FCD6CD}" type="datetime1">
               <a:rPr lang="ru-RU" smtClean="0"/>
-              <a:t>18.02.2023</a:t>
+              <a:t>19.02.2023</a:t>
             </a:fld>
             <a:endParaRPr lang="ru-RU"/>
           </a:p>
@@ -2289,7 +2289,7 @@
           <a:p>
             <a:fld id="{541086C6-E43C-4031-9DEE-B110F5665883}" type="datetime1">
               <a:rPr lang="ru-RU" smtClean="0"/>
-              <a:t>18.02.2023</a:t>
+              <a:t>19.02.2023</a:t>
             </a:fld>
             <a:endParaRPr lang="ru-RU"/>
           </a:p>
@@ -2384,7 +2384,7 @@
           <a:p>
             <a:fld id="{6E673D86-633A-4A5C-99A8-AF67CDA3F4C5}" type="datetime1">
               <a:rPr lang="ru-RU" smtClean="0"/>
-              <a:t>18.02.2023</a:t>
+              <a:t>19.02.2023</a:t>
             </a:fld>
             <a:endParaRPr lang="ru-RU"/>
           </a:p>
@@ -2661,7 +2661,7 @@
           <a:p>
             <a:fld id="{9F141B0F-4B70-46F9-8E49-A8927A8EF61C}" type="datetime1">
               <a:rPr lang="ru-RU" smtClean="0"/>
-              <a:t>18.02.2023</a:t>
+              <a:t>19.02.2023</a:t>
             </a:fld>
             <a:endParaRPr lang="ru-RU"/>
           </a:p>
@@ -2918,7 +2918,7 @@
           <a:p>
             <a:fld id="{66E4E755-3C6B-40C3-812B-8DBAD8856AD3}" type="datetime1">
               <a:rPr lang="ru-RU" smtClean="0"/>
-              <a:t>18.02.2023</a:t>
+              <a:t>19.02.2023</a:t>
             </a:fld>
             <a:endParaRPr lang="ru-RU"/>
           </a:p>
@@ -3131,7 +3131,7 @@
           <a:p>
             <a:fld id="{41888E7E-34F9-43C6-9C08-101ACE33D9FB}" type="datetime1">
               <a:rPr lang="ru-RU" smtClean="0"/>
-              <a:t>18.02.2023</a:t>
+              <a:t>19.02.2023</a:t>
             </a:fld>
             <a:endParaRPr lang="ru-RU"/>
           </a:p>
@@ -9372,7 +9372,7 @@
         <p:spPr>
           <a:xfrm>
             <a:off x="6371311" y="1445425"/>
-            <a:ext cx="5093502" cy="1600438"/>
+            <a:ext cx="5093502" cy="1815882"/>
           </a:xfrm>
           <a:prstGeom prst="rect">
             <a:avLst/>
@@ -9454,7 +9454,19 @@
               <a:rPr lang="en-US" sz="1400" dirty="0">
                 <a:latin typeface="Consolas" panose="020B0609020204030204" pitchFamily="49" charset="0"/>
               </a:rPr>
-              <a:t>    path(«upload/", </a:t>
+              <a:t>    path(«</a:t>
+            </a:r>
+            <a:r>
+              <a:rPr lang="en-US" sz="1400" dirty="0" err="1">
+                <a:latin typeface="Consolas" panose="020B0609020204030204" pitchFamily="49" charset="0"/>
+              </a:rPr>
+              <a:t>image_upload</a:t>
+            </a:r>
+            <a:r>
+              <a:rPr lang="en-US" sz="1400" dirty="0">
+                <a:latin typeface="Consolas" panose="020B0609020204030204" pitchFamily="49" charset="0"/>
+              </a:rPr>
+              <a:t>/", </a:t>
             </a:r>
             <a:r>
               <a:rPr lang="en-US" sz="1400" dirty="0" err="1">

--- a/01 - Курсовые проекты/2022-2023 - Разр.библ.функций на языке Python автомат.построения GUI/rndhpc_rpt_pres_gui_2023_73_VasilyanA.pptx
+++ b/01 - Курсовые проекты/2022-2023 - Разр.библ.функций на языке Python автомат.построения GUI/rndhpc_rpt_pres_gui_2023_73_VasilyanA.pptx
@@ -219,7 +219,7 @@
           <a:p>
             <a:fld id="{1433DABF-D097-44E0-82C0-1AAF5966212D}" type="datetimeFigureOut">
               <a:rPr lang="ru-RU" smtClean="0"/>
-              <a:t>19.02.2023</a:t>
+              <a:t>27.02.2023</a:t>
             </a:fld>
             <a:endParaRPr lang="ru-RU"/>
           </a:p>
@@ -785,7 +785,7 @@
           <a:p>
             <a:fld id="{6157714A-B5FA-4BDA-BAC5-CE551E0D5C71}" type="datetime1">
               <a:rPr lang="ru-RU" smtClean="0"/>
-              <a:t>19.02.2023</a:t>
+              <a:t>27.02.2023</a:t>
             </a:fld>
             <a:endParaRPr lang="ru-RU"/>
           </a:p>
@@ -955,7 +955,7 @@
           <a:p>
             <a:fld id="{27CE9654-3562-4100-A766-537F27551235}" type="datetime1">
               <a:rPr lang="ru-RU" smtClean="0"/>
-              <a:t>19.02.2023</a:t>
+              <a:t>27.02.2023</a:t>
             </a:fld>
             <a:endParaRPr lang="ru-RU"/>
           </a:p>
@@ -1135,7 +1135,7 @@
           <a:p>
             <a:fld id="{820807FA-9BD8-40AF-A59F-C82356EC0E74}" type="datetime1">
               <a:rPr lang="ru-RU" smtClean="0"/>
-              <a:t>19.02.2023</a:t>
+              <a:t>27.02.2023</a:t>
             </a:fld>
             <a:endParaRPr lang="ru-RU"/>
           </a:p>
@@ -1310,7 +1310,7 @@
           <a:p>
             <a:fld id="{5878E360-8AEE-4B90-99BC-1D6B98DA5EE2}" type="datetime1">
               <a:rPr lang="ru-RU" smtClean="0"/>
-              <a:t>19.02.2023</a:t>
+              <a:t>27.02.2023</a:t>
             </a:fld>
             <a:endParaRPr lang="ru-RU"/>
           </a:p>
@@ -1572,7 +1572,7 @@
           <a:p>
             <a:fld id="{D429DEF6-BF7E-4AAA-BE08-A3E2C310E23A}" type="datetime1">
               <a:rPr lang="ru-RU" smtClean="0"/>
-              <a:t>19.02.2023</a:t>
+              <a:t>27.02.2023</a:t>
             </a:fld>
             <a:endParaRPr lang="ru-RU"/>
           </a:p>
@@ -1804,7 +1804,7 @@
           <a:p>
             <a:fld id="{2118AE50-8815-4DDF-8D38-374A41423F79}" type="datetime1">
               <a:rPr lang="ru-RU" smtClean="0"/>
-              <a:t>19.02.2023</a:t>
+              <a:t>27.02.2023</a:t>
             </a:fld>
             <a:endParaRPr lang="ru-RU"/>
           </a:p>
@@ -2171,7 +2171,7 @@
           <a:p>
             <a:fld id="{3B4F339C-11A2-47C7-8682-F5E088FCD6CD}" type="datetime1">
               <a:rPr lang="ru-RU" smtClean="0"/>
-              <a:t>19.02.2023</a:t>
+              <a:t>27.02.2023</a:t>
             </a:fld>
             <a:endParaRPr lang="ru-RU"/>
           </a:p>
@@ -2289,7 +2289,7 @@
           <a:p>
             <a:fld id="{541086C6-E43C-4031-9DEE-B110F5665883}" type="datetime1">
               <a:rPr lang="ru-RU" smtClean="0"/>
-              <a:t>19.02.2023</a:t>
+              <a:t>27.02.2023</a:t>
             </a:fld>
             <a:endParaRPr lang="ru-RU"/>
           </a:p>
@@ -2384,7 +2384,7 @@
           <a:p>
             <a:fld id="{6E673D86-633A-4A5C-99A8-AF67CDA3F4C5}" type="datetime1">
               <a:rPr lang="ru-RU" smtClean="0"/>
-              <a:t>19.02.2023</a:t>
+              <a:t>27.02.2023</a:t>
             </a:fld>
             <a:endParaRPr lang="ru-RU"/>
           </a:p>
@@ -2661,7 +2661,7 @@
           <a:p>
             <a:fld id="{9F141B0F-4B70-46F9-8E49-A8927A8EF61C}" type="datetime1">
               <a:rPr lang="ru-RU" smtClean="0"/>
-              <a:t>19.02.2023</a:t>
+              <a:t>27.02.2023</a:t>
             </a:fld>
             <a:endParaRPr lang="ru-RU"/>
           </a:p>
@@ -2918,7 +2918,7 @@
           <a:p>
             <a:fld id="{66E4E755-3C6B-40C3-812B-8DBAD8856AD3}" type="datetime1">
               <a:rPr lang="ru-RU" smtClean="0"/>
-              <a:t>19.02.2023</a:t>
+              <a:t>27.02.2023</a:t>
             </a:fld>
             <a:endParaRPr lang="ru-RU"/>
           </a:p>
@@ -3131,7 +3131,7 @@
           <a:p>
             <a:fld id="{41888E7E-34F9-43C6-9C08-101ACE33D9FB}" type="datetime1">
               <a:rPr lang="ru-RU" smtClean="0"/>
-              <a:t>19.02.2023</a:t>
+              <a:t>27.02.2023</a:t>
             </a:fld>
             <a:endParaRPr lang="ru-RU"/>
           </a:p>
@@ -6364,7 +6364,7 @@
         <p:spPr>
           <a:xfrm>
             <a:off x="346591" y="669634"/>
-            <a:ext cx="11498818" cy="4801314"/>
+            <a:ext cx="11498818" cy="4524315"/>
           </a:xfrm>
           <a:prstGeom prst="rect">
             <a:avLst/>
@@ -6535,7 +6535,7 @@
                 <a:latin typeface="Times New Roman" panose="02020603050405020304" pitchFamily="18" charset="0"/>
                 <a:cs typeface="Times New Roman" panose="02020603050405020304" pitchFamily="18" charset="0"/>
               </a:rPr>
-              <a:t>Применения типовой системы показателей качества. Обеспечивается оценка качества пользовательского интерфейса.</a:t>
+              <a:t>Применение типовой системы показателей качества. Обеспечивается оценка качества пользовательского интерфейса.</a:t>
             </a:r>
           </a:p>
           <a:p>
@@ -6548,7 +6548,7 @@
                 <a:latin typeface="Times New Roman" panose="02020603050405020304" pitchFamily="18" charset="0"/>
                 <a:cs typeface="Times New Roman" panose="02020603050405020304" pitchFamily="18" charset="0"/>
               </a:rPr>
-              <a:t>Автоматизация программирования и документирования пользовательского интерфейса (возможность автоматизированного документирования интерфейса программы).</a:t>
+              <a:t>Программирование и документирование пользовательского интерфейса.</a:t>
             </a:r>
           </a:p>
           <a:p>
@@ -9371,7 +9371,7 @@
         </p:nvSpPr>
         <p:spPr>
           <a:xfrm>
-            <a:off x="6371311" y="1445425"/>
+            <a:off x="6371311" y="1262067"/>
             <a:ext cx="5093502" cy="1815882"/>
           </a:xfrm>
           <a:prstGeom prst="rect">
